--- a/Tools/MessageBrokers/RabbitMQ.pptx
+++ b/Tools/MessageBrokers/RabbitMQ.pptx
@@ -104,6 +104,11 @@
       </a:defRPr>
     </a:lvl9pPr>
   </p:defaultTextStyle>
+  <p:extLst>
+    <p:ext uri="{EFAFB233-063F-42B5-8137-9DF3F51BA10A}">
+      <p15:sldGuideLst xmlns:p15="http://schemas.microsoft.com/office/powerpoint/2012/main"/>
+    </p:ext>
+  </p:extLst>
 </p:presentation>
 </file>
 
@@ -3386,7 +3391,7 @@
         </p:nvSpPr>
         <p:spPr>
           <a:xfrm>
-            <a:off x="7136422" y="846459"/>
+            <a:off x="7136422" y="2266887"/>
             <a:ext cx="1890944" cy="369332"/>
           </a:xfrm>
           <a:prstGeom prst="rect">
@@ -3421,8 +3426,8 @@
         </p:nvSpPr>
         <p:spPr>
           <a:xfrm>
-            <a:off x="7136422" y="1453267"/>
-            <a:ext cx="4605292" cy="3139321"/>
+            <a:off x="7136422" y="3148902"/>
+            <a:ext cx="4605292" cy="1200329"/>
           </a:xfrm>
           <a:prstGeom prst="rect">
             <a:avLst/>
@@ -3437,303 +3442,7 @@
           <a:p>
             <a:r>
               <a:rPr lang="en-GB" dirty="0"/>
-              <a:t>AMQP (Advanced Message Queuing Protocol) — </a:t>
-            </a:r>
-            <a:r>
-              <a:rPr lang="en-GB" dirty="0" err="1"/>
-              <a:t>відкритий</a:t>
-            </a:r>
-            <a:r>
-              <a:rPr lang="en-GB" dirty="0"/>
-              <a:t> </a:t>
-            </a:r>
-            <a:r>
-              <a:rPr lang="en-GB" dirty="0" err="1"/>
-              <a:t>стандарт</a:t>
-            </a:r>
-            <a:r>
-              <a:rPr lang="en-GB" dirty="0"/>
-              <a:t> </a:t>
-            </a:r>
-            <a:r>
-              <a:rPr lang="en-GB" dirty="0" err="1"/>
-              <a:t>протоколу</a:t>
-            </a:r>
-            <a:r>
-              <a:rPr lang="en-GB" dirty="0"/>
-              <a:t> </a:t>
-            </a:r>
-            <a:r>
-              <a:rPr lang="en-GB" dirty="0" err="1"/>
-              <a:t>прикладного</a:t>
-            </a:r>
-            <a:r>
-              <a:rPr lang="en-GB" dirty="0"/>
-              <a:t> </a:t>
-            </a:r>
-            <a:r>
-              <a:rPr lang="en-GB" dirty="0" err="1"/>
-              <a:t>рівня</a:t>
-            </a:r>
-            <a:r>
-              <a:rPr lang="en-GB" dirty="0"/>
-              <a:t> </a:t>
-            </a:r>
-            <a:r>
-              <a:rPr lang="en-GB" dirty="0" err="1"/>
-              <a:t>для</a:t>
-            </a:r>
-            <a:r>
-              <a:rPr lang="en-GB" dirty="0"/>
-              <a:t> </a:t>
-            </a:r>
-            <a:r>
-              <a:rPr lang="en-GB" dirty="0" err="1"/>
-              <a:t>проміжного</a:t>
-            </a:r>
-            <a:r>
-              <a:rPr lang="en-GB" dirty="0"/>
-              <a:t> </a:t>
-            </a:r>
-            <a:r>
-              <a:rPr lang="en-GB" dirty="0" err="1"/>
-              <a:t>програмного</a:t>
-            </a:r>
-            <a:r>
-              <a:rPr lang="en-GB" dirty="0"/>
-              <a:t> </a:t>
-            </a:r>
-            <a:r>
-              <a:rPr lang="en-GB" dirty="0" err="1"/>
-              <a:t>забезпечення</a:t>
-            </a:r>
-            <a:r>
-              <a:rPr lang="en-GB" dirty="0"/>
-              <a:t>, </a:t>
-            </a:r>
-            <a:r>
-              <a:rPr lang="en-GB" dirty="0" err="1"/>
-              <a:t>орієнтованого</a:t>
-            </a:r>
-            <a:r>
-              <a:rPr lang="en-GB" dirty="0"/>
-              <a:t> </a:t>
-            </a:r>
-            <a:r>
-              <a:rPr lang="en-GB" dirty="0" err="1"/>
-              <a:t>на</a:t>
-            </a:r>
-            <a:r>
-              <a:rPr lang="en-GB" dirty="0"/>
-              <a:t> </a:t>
-            </a:r>
-            <a:r>
-              <a:rPr lang="en-GB" dirty="0" err="1"/>
-              <a:t>обробку</a:t>
-            </a:r>
-            <a:r>
-              <a:rPr lang="en-GB" dirty="0"/>
-              <a:t> </a:t>
-            </a:r>
-            <a:r>
-              <a:rPr lang="en-GB" dirty="0" err="1"/>
-              <a:t>повідомлень</a:t>
-            </a:r>
-            <a:r>
-              <a:rPr lang="en-GB" dirty="0"/>
-              <a:t>. </a:t>
-            </a:r>
-            <a:r>
-              <a:rPr lang="en-GB" dirty="0" err="1"/>
-              <a:t>Семантика</a:t>
-            </a:r>
-            <a:r>
-              <a:rPr lang="en-GB" dirty="0"/>
-              <a:t> </a:t>
-            </a:r>
-            <a:r>
-              <a:rPr lang="en-GB" dirty="0" err="1"/>
-              <a:t>обміну</a:t>
-            </a:r>
-            <a:r>
-              <a:rPr lang="en-GB" dirty="0"/>
-              <a:t> </a:t>
-            </a:r>
-            <a:r>
-              <a:rPr lang="en-GB" dirty="0" err="1"/>
-              <a:t>повідомленнями</a:t>
-            </a:r>
-            <a:r>
-              <a:rPr lang="en-GB" dirty="0"/>
-              <a:t> </a:t>
-            </a:r>
-            <a:r>
-              <a:rPr lang="en-GB" dirty="0" err="1"/>
-              <a:t>налаштовується</a:t>
-            </a:r>
-            <a:r>
-              <a:rPr lang="en-GB" dirty="0"/>
-              <a:t> </a:t>
-            </a:r>
-            <a:r>
-              <a:rPr lang="en-GB" dirty="0" err="1"/>
-              <a:t>під</a:t>
-            </a:r>
-            <a:r>
-              <a:rPr lang="en-GB" dirty="0"/>
-              <a:t> </a:t>
-            </a:r>
-            <a:r>
-              <a:rPr lang="en-GB" dirty="0" err="1"/>
-              <a:t>потреби</a:t>
-            </a:r>
-            <a:r>
-              <a:rPr lang="en-GB" dirty="0"/>
-              <a:t> </a:t>
-            </a:r>
-            <a:r>
-              <a:rPr lang="en-GB" dirty="0" err="1"/>
-              <a:t>конкретного</a:t>
-            </a:r>
-            <a:r>
-              <a:rPr lang="en-GB" dirty="0"/>
-              <a:t> </a:t>
-            </a:r>
-            <a:r>
-              <a:rPr lang="en-GB" dirty="0" err="1"/>
-              <a:t>проекту</a:t>
-            </a:r>
-            <a:r>
-              <a:rPr lang="en-GB" dirty="0"/>
-              <a:t>. «</a:t>
-            </a:r>
-            <a:r>
-              <a:rPr lang="en-GB" dirty="0" err="1"/>
-              <a:t>Брокер</a:t>
-            </a:r>
-            <a:r>
-              <a:rPr lang="en-GB" dirty="0"/>
-              <a:t> </a:t>
-            </a:r>
-            <a:r>
-              <a:rPr lang="en-GB" dirty="0" err="1"/>
-              <a:t>повідомлень</a:t>
-            </a:r>
-            <a:r>
-              <a:rPr lang="en-GB" dirty="0"/>
-              <a:t>», </a:t>
-            </a:r>
-            <a:r>
-              <a:rPr lang="en-GB" dirty="0" err="1"/>
-              <a:t>який</a:t>
-            </a:r>
-            <a:r>
-              <a:rPr lang="en-GB" dirty="0"/>
-              <a:t> </a:t>
-            </a:r>
-            <a:r>
-              <a:rPr lang="en-GB" dirty="0" err="1"/>
-              <a:t>здійснює</a:t>
-            </a:r>
-            <a:r>
-              <a:rPr lang="en-GB" dirty="0"/>
-              <a:t> </a:t>
-            </a:r>
-            <a:r>
-              <a:rPr lang="en-GB" dirty="0" err="1"/>
-              <a:t>маршрутизацію</a:t>
-            </a:r>
-            <a:r>
-              <a:rPr lang="en-GB" dirty="0"/>
-              <a:t>, </a:t>
-            </a:r>
-            <a:r>
-              <a:rPr lang="en-GB" dirty="0" err="1"/>
-              <a:t>зазвичай</a:t>
-            </a:r>
-            <a:r>
-              <a:rPr lang="en-GB" dirty="0"/>
-              <a:t> </a:t>
-            </a:r>
-            <a:r>
-              <a:rPr lang="en-GB" dirty="0" err="1"/>
-              <a:t>гарантує</a:t>
-            </a:r>
-            <a:r>
-              <a:rPr lang="en-GB" dirty="0"/>
-              <a:t> </a:t>
-            </a:r>
-            <a:r>
-              <a:rPr lang="en-GB" dirty="0" err="1"/>
-              <a:t>доставку</a:t>
-            </a:r>
-            <a:r>
-              <a:rPr lang="en-GB" dirty="0"/>
-              <a:t>, </a:t>
-            </a:r>
-            <a:r>
-              <a:rPr lang="en-GB" dirty="0" err="1"/>
-              <a:t>розподіл</a:t>
-            </a:r>
-            <a:r>
-              <a:rPr lang="en-GB" dirty="0"/>
-              <a:t> </a:t>
-            </a:r>
-            <a:r>
-              <a:rPr lang="en-GB" dirty="0" err="1"/>
-              <a:t>потоків</a:t>
-            </a:r>
-            <a:r>
-              <a:rPr lang="en-GB" dirty="0"/>
-              <a:t> </a:t>
-            </a:r>
-            <a:r>
-              <a:rPr lang="en-GB" dirty="0" err="1"/>
-              <a:t>даних</a:t>
-            </a:r>
-            <a:r>
-              <a:rPr lang="en-GB" dirty="0"/>
-              <a:t>, </a:t>
-            </a:r>
-            <a:r>
-              <a:rPr lang="en-GB" dirty="0" err="1"/>
-              <a:t>підписку</a:t>
-            </a:r>
-            <a:r>
-              <a:rPr lang="en-GB" dirty="0"/>
-              <a:t> </a:t>
-            </a:r>
-            <a:r>
-              <a:rPr lang="en-GB" dirty="0" err="1"/>
-              <a:t>на</a:t>
-            </a:r>
-            <a:r>
-              <a:rPr lang="en-GB" dirty="0"/>
-              <a:t> </a:t>
-            </a:r>
-            <a:r>
-              <a:rPr lang="en-GB" dirty="0" err="1"/>
-              <a:t>потрібні</a:t>
-            </a:r>
-            <a:r>
-              <a:rPr lang="en-GB" dirty="0"/>
-              <a:t> </a:t>
-            </a:r>
-            <a:r>
-              <a:rPr lang="en-GB" dirty="0" err="1"/>
-              <a:t>типи</a:t>
-            </a:r>
-            <a:r>
-              <a:rPr lang="en-GB" dirty="0"/>
-              <a:t> </a:t>
-            </a:r>
-            <a:r>
-              <a:rPr lang="en-GB" dirty="0" err="1"/>
-              <a:t>повідомлень</a:t>
-            </a:r>
-            <a:r>
-              <a:rPr lang="en-GB" dirty="0"/>
-              <a:t>.</a:t>
+              <a:t>AMQP (Advanced Message Queuing Protocol) — is an open standard application layer protocol designed for asynchronous messaging between applications and systems</a:t>
             </a:r>
           </a:p>
         </p:txBody>
@@ -3752,7 +3461,7 @@
         </p:nvSpPr>
         <p:spPr>
           <a:xfrm>
-            <a:off x="7136422" y="258385"/>
+            <a:off x="7136422" y="1384872"/>
             <a:ext cx="4108369" cy="369332"/>
           </a:xfrm>
           <a:prstGeom prst="rect">

--- a/Tools/MessageBrokers/RabbitMQ.pptx
+++ b/Tools/MessageBrokers/RabbitMQ.pptx
@@ -261,7 +261,7 @@
           <a:p>
             <a:fld id="{0D111FDD-21C8-4F59-B1E8-C25955C1D790}" type="datetimeFigureOut">
               <a:rPr lang="en-GB" smtClean="0"/>
-              <a:t>23/06/2025</a:t>
+              <a:t>24/06/2025</a:t>
             </a:fld>
             <a:endParaRPr lang="en-GB"/>
           </a:p>
@@ -461,7 +461,7 @@
           <a:p>
             <a:fld id="{0D111FDD-21C8-4F59-B1E8-C25955C1D790}" type="datetimeFigureOut">
               <a:rPr lang="en-GB" smtClean="0"/>
-              <a:t>23/06/2025</a:t>
+              <a:t>24/06/2025</a:t>
             </a:fld>
             <a:endParaRPr lang="en-GB"/>
           </a:p>
@@ -671,7 +671,7 @@
           <a:p>
             <a:fld id="{0D111FDD-21C8-4F59-B1E8-C25955C1D790}" type="datetimeFigureOut">
               <a:rPr lang="en-GB" smtClean="0"/>
-              <a:t>23/06/2025</a:t>
+              <a:t>24/06/2025</a:t>
             </a:fld>
             <a:endParaRPr lang="en-GB"/>
           </a:p>
@@ -871,7 +871,7 @@
           <a:p>
             <a:fld id="{0D111FDD-21C8-4F59-B1E8-C25955C1D790}" type="datetimeFigureOut">
               <a:rPr lang="en-GB" smtClean="0"/>
-              <a:t>23/06/2025</a:t>
+              <a:t>24/06/2025</a:t>
             </a:fld>
             <a:endParaRPr lang="en-GB"/>
           </a:p>
@@ -1147,7 +1147,7 @@
           <a:p>
             <a:fld id="{0D111FDD-21C8-4F59-B1E8-C25955C1D790}" type="datetimeFigureOut">
               <a:rPr lang="en-GB" smtClean="0"/>
-              <a:t>23/06/2025</a:t>
+              <a:t>24/06/2025</a:t>
             </a:fld>
             <a:endParaRPr lang="en-GB"/>
           </a:p>
@@ -1415,7 +1415,7 @@
           <a:p>
             <a:fld id="{0D111FDD-21C8-4F59-B1E8-C25955C1D790}" type="datetimeFigureOut">
               <a:rPr lang="en-GB" smtClean="0"/>
-              <a:t>23/06/2025</a:t>
+              <a:t>24/06/2025</a:t>
             </a:fld>
             <a:endParaRPr lang="en-GB"/>
           </a:p>
@@ -1830,7 +1830,7 @@
           <a:p>
             <a:fld id="{0D111FDD-21C8-4F59-B1E8-C25955C1D790}" type="datetimeFigureOut">
               <a:rPr lang="en-GB" smtClean="0"/>
-              <a:t>23/06/2025</a:t>
+              <a:t>24/06/2025</a:t>
             </a:fld>
             <a:endParaRPr lang="en-GB"/>
           </a:p>
@@ -1972,7 +1972,7 @@
           <a:p>
             <a:fld id="{0D111FDD-21C8-4F59-B1E8-C25955C1D790}" type="datetimeFigureOut">
               <a:rPr lang="en-GB" smtClean="0"/>
-              <a:t>23/06/2025</a:t>
+              <a:t>24/06/2025</a:t>
             </a:fld>
             <a:endParaRPr lang="en-GB"/>
           </a:p>
@@ -2085,7 +2085,7 @@
           <a:p>
             <a:fld id="{0D111FDD-21C8-4F59-B1E8-C25955C1D790}" type="datetimeFigureOut">
               <a:rPr lang="en-GB" smtClean="0"/>
-              <a:t>23/06/2025</a:t>
+              <a:t>24/06/2025</a:t>
             </a:fld>
             <a:endParaRPr lang="en-GB"/>
           </a:p>
@@ -2398,7 +2398,7 @@
           <a:p>
             <a:fld id="{0D111FDD-21C8-4F59-B1E8-C25955C1D790}" type="datetimeFigureOut">
               <a:rPr lang="en-GB" smtClean="0"/>
-              <a:t>23/06/2025</a:t>
+              <a:t>24/06/2025</a:t>
             </a:fld>
             <a:endParaRPr lang="en-GB"/>
           </a:p>
@@ -2687,7 +2687,7 @@
           <a:p>
             <a:fld id="{0D111FDD-21C8-4F59-B1E8-C25955C1D790}" type="datetimeFigureOut">
               <a:rPr lang="en-GB" smtClean="0"/>
-              <a:t>23/06/2025</a:t>
+              <a:t>24/06/2025</a:t>
             </a:fld>
             <a:endParaRPr lang="en-GB"/>
           </a:p>
@@ -2930,7 +2930,7 @@
           <a:p>
             <a:fld id="{0D111FDD-21C8-4F59-B1E8-C25955C1D790}" type="datetimeFigureOut">
               <a:rPr lang="en-GB" smtClean="0"/>
-              <a:t>23/06/2025</a:t>
+              <a:t>24/06/2025</a:t>
             </a:fld>
             <a:endParaRPr lang="en-GB"/>
           </a:p>
@@ -3347,12 +3347,117 @@
           <a:chExt cx="0" cy="0"/>
         </a:xfrm>
       </p:grpSpPr>
+      <p:sp>
+        <p:nvSpPr>
+          <p:cNvPr id="8" name="TextBox 7">
+            <a:extLst>
+              <a:ext uri="{FF2B5EF4-FFF2-40B4-BE49-F238E27FC236}">
+                <a16:creationId xmlns:a16="http://schemas.microsoft.com/office/drawing/2014/main" id="{83DBA81B-FC6C-0D63-CC5C-8B7A9924EBA7}"/>
+              </a:ext>
+            </a:extLst>
+          </p:cNvPr>
+          <p:cNvSpPr txBox="1"/>
+          <p:nvPr/>
+        </p:nvSpPr>
+        <p:spPr>
+          <a:xfrm>
+            <a:off x="7136422" y="2266887"/>
+            <a:ext cx="1890944" cy="369332"/>
+          </a:xfrm>
+          <a:prstGeom prst="rect">
+            <a:avLst/>
+          </a:prstGeom>
+          <a:noFill/>
+        </p:spPr>
+        <p:txBody>
+          <a:bodyPr wrap="square" rtlCol="0">
+            <a:spAutoFit/>
+          </a:bodyPr>
+          <a:lstStyle/>
+          <a:p>
+            <a:r>
+              <a:rPr lang="en-GB" dirty="0"/>
+              <a:t>FIFO - principle</a:t>
+            </a:r>
+          </a:p>
+        </p:txBody>
+      </p:sp>
+      <p:sp>
+        <p:nvSpPr>
+          <p:cNvPr id="10" name="TextBox 9">
+            <a:extLst>
+              <a:ext uri="{FF2B5EF4-FFF2-40B4-BE49-F238E27FC236}">
+                <a16:creationId xmlns:a16="http://schemas.microsoft.com/office/drawing/2014/main" id="{BBD2864D-60E8-0C75-928A-169249EAA5FF}"/>
+              </a:ext>
+            </a:extLst>
+          </p:cNvPr>
+          <p:cNvSpPr txBox="1"/>
+          <p:nvPr/>
+        </p:nvSpPr>
+        <p:spPr>
+          <a:xfrm>
+            <a:off x="7136422" y="3148902"/>
+            <a:ext cx="4605292" cy="1200329"/>
+          </a:xfrm>
+          <a:prstGeom prst="rect">
+            <a:avLst/>
+          </a:prstGeom>
+          <a:noFill/>
+        </p:spPr>
+        <p:txBody>
+          <a:bodyPr wrap="square">
+            <a:spAutoFit/>
+          </a:bodyPr>
+          <a:lstStyle/>
+          <a:p>
+            <a:r>
+              <a:rPr lang="en-GB" dirty="0"/>
+              <a:t>AMQP (Advanced Message Queuing Protocol) — is an open standard application layer protocol designed for asynchronous messaging between applications and systems</a:t>
+            </a:r>
+          </a:p>
+        </p:txBody>
+      </p:sp>
+      <p:sp>
+        <p:nvSpPr>
+          <p:cNvPr id="11" name="TextBox 10">
+            <a:extLst>
+              <a:ext uri="{FF2B5EF4-FFF2-40B4-BE49-F238E27FC236}">
+                <a16:creationId xmlns:a16="http://schemas.microsoft.com/office/drawing/2014/main" id="{A930F0E9-30A5-EAE6-E9C1-F4DBF9F33800}"/>
+              </a:ext>
+            </a:extLst>
+          </p:cNvPr>
+          <p:cNvSpPr txBox="1"/>
+          <p:nvPr/>
+        </p:nvSpPr>
+        <p:spPr>
+          <a:xfrm>
+            <a:off x="7136422" y="1384872"/>
+            <a:ext cx="4108369" cy="369332"/>
+          </a:xfrm>
+          <a:prstGeom prst="rect">
+            <a:avLst/>
+          </a:prstGeom>
+          <a:noFill/>
+        </p:spPr>
+        <p:txBody>
+          <a:bodyPr wrap="none" rtlCol="0">
+            <a:spAutoFit/>
+          </a:bodyPr>
+          <a:lstStyle/>
+          <a:p>
+            <a:r>
+              <a:rPr lang="en-GB" dirty="0"/>
+              <a:t>RabbitMQ – open source message broker </a:t>
+            </a:r>
+          </a:p>
+        </p:txBody>
+      </p:sp>
       <p:pic>
         <p:nvPicPr>
-          <p:cNvPr id="7" name="Picture 6">
-            <a:extLst>
-              <a:ext uri="{FF2B5EF4-FFF2-40B4-BE49-F238E27FC236}">
-                <a16:creationId xmlns:a16="http://schemas.microsoft.com/office/drawing/2014/main" id="{ACCD177F-3B97-9C4D-BD95-E7831C1C767F}"/>
+          <p:cNvPr id="13" name="Picture 12">
+            <a:extLst>
+              <a:ext uri="{FF2B5EF4-FFF2-40B4-BE49-F238E27FC236}">
+                <a16:creationId xmlns:a16="http://schemas.microsoft.com/office/drawing/2014/main" id="{04571E23-DA1C-62F3-11E2-947ACC7C13DB}"/>
               </a:ext>
             </a:extLst>
           </p:cNvPr>
@@ -3369,8 +3474,8 @@
         </p:blipFill>
         <p:spPr>
           <a:xfrm>
-            <a:off x="570298" y="180283"/>
-            <a:ext cx="6372040" cy="3097798"/>
+            <a:off x="325901" y="3385760"/>
+            <a:ext cx="6713479" cy="3472240"/>
           </a:xfrm>
           <a:prstGeom prst="rect">
             <a:avLst/>
@@ -3379,10 +3484,10 @@
       </p:pic>
       <p:sp>
         <p:nvSpPr>
-          <p:cNvPr id="8" name="TextBox 7">
-            <a:extLst>
-              <a:ext uri="{FF2B5EF4-FFF2-40B4-BE49-F238E27FC236}">
-                <a16:creationId xmlns:a16="http://schemas.microsoft.com/office/drawing/2014/main" id="{83DBA81B-FC6C-0D63-CC5C-8B7A9924EBA7}"/>
+          <p:cNvPr id="2" name="TextBox 1">
+            <a:extLst>
+              <a:ext uri="{FF2B5EF4-FFF2-40B4-BE49-F238E27FC236}">
+                <a16:creationId xmlns:a16="http://schemas.microsoft.com/office/drawing/2014/main" id="{C9D24DE0-29B3-754E-FDAF-C8FC90CF0B95}"/>
               </a:ext>
             </a:extLst>
           </p:cNvPr>
@@ -3391,8 +3496,8 @@
         </p:nvSpPr>
         <p:spPr>
           <a:xfrm>
-            <a:off x="7136422" y="2266887"/>
-            <a:ext cx="1890944" cy="369332"/>
+            <a:off x="7136422" y="4780631"/>
+            <a:ext cx="3272563" cy="646331"/>
           </a:xfrm>
           <a:prstGeom prst="rect">
             <a:avLst/>
@@ -3407,87 +3512,20 @@
           <a:p>
             <a:r>
               <a:rPr lang="en-GB" dirty="0"/>
-              <a:t>FIFO - principle</a:t>
-            </a:r>
-          </a:p>
-        </p:txBody>
-      </p:sp>
-      <p:sp>
-        <p:nvSpPr>
-          <p:cNvPr id="10" name="TextBox 9">
-            <a:extLst>
-              <a:ext uri="{FF2B5EF4-FFF2-40B4-BE49-F238E27FC236}">
-                <a16:creationId xmlns:a16="http://schemas.microsoft.com/office/drawing/2014/main" id="{BBD2864D-60E8-0C75-928A-169249EAA5FF}"/>
-              </a:ext>
-            </a:extLst>
-          </p:cNvPr>
-          <p:cNvSpPr txBox="1"/>
-          <p:nvPr/>
-        </p:nvSpPr>
-        <p:spPr>
-          <a:xfrm>
-            <a:off x="7136422" y="3148902"/>
-            <a:ext cx="4605292" cy="1200329"/>
-          </a:xfrm>
-          <a:prstGeom prst="rect">
-            <a:avLst/>
-          </a:prstGeom>
-          <a:noFill/>
-        </p:spPr>
-        <p:txBody>
-          <a:bodyPr wrap="square">
-            <a:spAutoFit/>
-          </a:bodyPr>
-          <a:lstStyle/>
-          <a:p>
-            <a:r>
-              <a:rPr lang="en-GB" dirty="0"/>
-              <a:t>AMQP (Advanced Message Queuing Protocol) — is an open standard application layer protocol designed for asynchronous messaging between applications and systems</a:t>
-            </a:r>
-          </a:p>
-        </p:txBody>
-      </p:sp>
-      <p:sp>
-        <p:nvSpPr>
-          <p:cNvPr id="11" name="TextBox 10">
-            <a:extLst>
-              <a:ext uri="{FF2B5EF4-FFF2-40B4-BE49-F238E27FC236}">
-                <a16:creationId xmlns:a16="http://schemas.microsoft.com/office/drawing/2014/main" id="{A930F0E9-30A5-EAE6-E9C1-F4DBF9F33800}"/>
-              </a:ext>
-            </a:extLst>
-          </p:cNvPr>
-          <p:cNvSpPr txBox="1"/>
-          <p:nvPr/>
-        </p:nvSpPr>
-        <p:spPr>
-          <a:xfrm>
-            <a:off x="7136422" y="1384872"/>
-            <a:ext cx="4108369" cy="369332"/>
-          </a:xfrm>
-          <a:prstGeom prst="rect">
-            <a:avLst/>
-          </a:prstGeom>
-          <a:noFill/>
-        </p:spPr>
-        <p:txBody>
-          <a:bodyPr wrap="none" rtlCol="0">
-            <a:spAutoFit/>
-          </a:bodyPr>
-          <a:lstStyle/>
-          <a:p>
-            <a:r>
-              <a:rPr lang="en-GB" dirty="0"/>
-              <a:t>RabbitMQ – open source message broker </a:t>
-            </a:r>
+              <a:t>event-driven messaging pipeline</a:t>
+            </a:r>
+          </a:p>
+          <a:p>
+            <a:endParaRPr lang="en-GB" dirty="0"/>
           </a:p>
         </p:txBody>
       </p:sp>
       <p:pic>
         <p:nvPicPr>
-          <p:cNvPr id="13" name="Picture 12">
-            <a:extLst>
-              <a:ext uri="{FF2B5EF4-FFF2-40B4-BE49-F238E27FC236}">
-                <a16:creationId xmlns:a16="http://schemas.microsoft.com/office/drawing/2014/main" id="{04571E23-DA1C-62F3-11E2-947ACC7C13DB}"/>
+          <p:cNvPr id="4" name="Picture 3">
+            <a:extLst>
+              <a:ext uri="{FF2B5EF4-FFF2-40B4-BE49-F238E27FC236}">
+                <a16:creationId xmlns:a16="http://schemas.microsoft.com/office/drawing/2014/main" id="{4F9AD8F7-1C84-7F7E-65BF-DB31FEABC202}"/>
               </a:ext>
             </a:extLst>
           </p:cNvPr>
@@ -3504,8 +3542,8 @@
         </p:blipFill>
         <p:spPr>
           <a:xfrm>
-            <a:off x="325901" y="3385760"/>
-            <a:ext cx="6713479" cy="3472240"/>
+            <a:off x="228859" y="95302"/>
+            <a:ext cx="6717621" cy="3317804"/>
           </a:xfrm>
           <a:prstGeom prst="rect">
             <a:avLst/>
